--- a/Historyada.pptx
+++ b/Historyada.pptx
@@ -9,6 +9,7 @@
     <p:sldId id="257" r:id="rId3"/>
     <p:sldId id="259" r:id="rId4"/>
     <p:sldId id="258" r:id="rId5"/>
+    <p:sldId id="260" r:id="rId6"/>
   </p:sldIdLst>
   <p:sldSz cx="9144000" cy="6858000" type="screen4x3"/>
   <p:notesSz cx="6858000" cy="9144000"/>
@@ -9457,7 +9458,7 @@
           <a:p>
             <a:r>
               <a:rPr lang="bg-BG" dirty="0" smtClean="0"/>
-              <a:t>Александър, Йосиф, Николай и Никола</a:t>
+              <a:t>Александър, Йосиф, Радослав, Николай и Никола</a:t>
             </a:r>
             <a:endParaRPr lang="bg-BG" dirty="0"/>
           </a:p>
@@ -9653,13 +9654,13 @@
           <a:p>
             <a:r>
               <a:rPr lang="bg-BG" dirty="0" smtClean="0"/>
-              <a:t>В началото, идеята ни беше различна. Искахме да наравим игра, но стигнахме до там, че не можем да продължим проекта.</a:t>
+              <a:t>В началото, идеята ни беше различна. Искахме да направим игра, но стигнахме до там, че не можем да продължим проекта.</a:t>
             </a:r>
           </a:p>
           <a:p>
             <a:r>
               <a:rPr lang="bg-BG" dirty="0" smtClean="0"/>
-              <a:t>Получихме голяма помощ от няколко ментора, но бяхме се изхвърлили много с идеята за играта.</a:t>
+              <a:t>Получихме голяма помощ от няколко ментори, но бяхме се изхвърлили много с идеята за играта.</a:t>
             </a:r>
           </a:p>
           <a:p>
@@ -10463,6 +10464,159 @@
 </p:sld>
 </file>
 
+<file path=ppt/slides/slide5.xml><?xml version="1.0" encoding="utf-8"?>
+<p:sld xmlns:a="http://schemas.openxmlformats.org/drawingml/2006/main" xmlns:r="http://schemas.openxmlformats.org/officeDocument/2006/relationships" xmlns:p="http://schemas.openxmlformats.org/presentationml/2006/main">
+  <p:cSld>
+    <p:spTree>
+      <p:nvGrpSpPr>
+        <p:cNvPr id="1" name=""/>
+        <p:cNvGrpSpPr/>
+        <p:nvPr/>
+      </p:nvGrpSpPr>
+      <p:grpSpPr>
+        <a:xfrm>
+          <a:off x="0" y="0"/>
+          <a:ext cx="0" cy="0"/>
+          <a:chOff x="0" y="0"/>
+          <a:chExt cx="0" cy="0"/>
+        </a:xfrm>
+      </p:grpSpPr>
+      <p:sp>
+        <p:nvSpPr>
+          <p:cNvPr id="2" name="Title 1"/>
+          <p:cNvSpPr>
+            <a:spLocks noGrp="1"/>
+          </p:cNvSpPr>
+          <p:nvPr>
+            <p:ph type="title"/>
+          </p:nvPr>
+        </p:nvSpPr>
+        <p:spPr>
+          <a:xfrm>
+            <a:off x="467544" y="3212976"/>
+            <a:ext cx="8229600" cy="1143000"/>
+          </a:xfrm>
+        </p:spPr>
+        <p:txBody>
+          <a:bodyPr>
+            <a:noAutofit/>
+          </a:bodyPr>
+          <a:lstStyle/>
+          <a:p>
+            <a:pPr algn="ctr"/>
+            <a:r>
+              <a:rPr lang="bg-BG" sz="6600" dirty="0" smtClean="0"/>
+              <a:t>Благодаря  за вниманието!</a:t>
+            </a:r>
+            <a:endParaRPr lang="bg-BG" sz="6600" dirty="0"/>
+          </a:p>
+        </p:txBody>
+      </p:sp>
+    </p:spTree>
+    <p:extLst>
+      <p:ext uri="{BB962C8B-B14F-4D97-AF65-F5344CB8AC3E}">
+        <p14:creationId xmlns:p14="http://schemas.microsoft.com/office/powerpoint/2010/main" val="1298584134"/>
+      </p:ext>
+    </p:extLst>
+  </p:cSld>
+  <p:clrMapOvr>
+    <a:masterClrMapping/>
+  </p:clrMapOvr>
+  <p:transition spd="slow">
+    <p:push dir="u"/>
+  </p:transition>
+  <p:timing>
+    <p:tnLst>
+      <p:par>
+        <p:cTn id="1" dur="indefinite" restart="never" nodeType="tmRoot">
+          <p:childTnLst>
+            <p:seq concurrent="1" nextAc="seek">
+              <p:cTn id="2" dur="indefinite" nodeType="mainSeq">
+                <p:childTnLst>
+                  <p:par>
+                    <p:cTn id="3" fill="hold">
+                      <p:stCondLst>
+                        <p:cond delay="indefinite"/>
+                        <p:cond evt="onBegin" delay="0">
+                          <p:tn val="2"/>
+                        </p:cond>
+                      </p:stCondLst>
+                      <p:childTnLst>
+                        <p:par>
+                          <p:cTn id="4" fill="hold">
+                            <p:stCondLst>
+                              <p:cond delay="0"/>
+                            </p:stCondLst>
+                            <p:childTnLst>
+                              <p:par>
+                                <p:cTn id="5" presetID="16" presetClass="exit" presetSubtype="21" fill="hold" grpId="0" nodeType="withEffect">
+                                  <p:stCondLst>
+                                    <p:cond delay="1000"/>
+                                  </p:stCondLst>
+                                  <p:childTnLst>
+                                    <p:animEffect transition="out" filter="barn(inVertical)">
+                                      <p:cBhvr>
+                                        <p:cTn id="6" dur="500"/>
+                                        <p:tgtEl>
+                                          <p:spTgt spid="2"/>
+                                        </p:tgtEl>
+                                      </p:cBhvr>
+                                    </p:animEffect>
+                                    <p:set>
+                                      <p:cBhvr>
+                                        <p:cTn id="7" dur="1" fill="hold">
+                                          <p:stCondLst>
+                                            <p:cond delay="499"/>
+                                          </p:stCondLst>
+                                        </p:cTn>
+                                        <p:tgtEl>
+                                          <p:spTgt spid="2"/>
+                                        </p:tgtEl>
+                                        <p:attrNameLst>
+                                          <p:attrName>style.visibility</p:attrName>
+                                        </p:attrNameLst>
+                                      </p:cBhvr>
+                                      <p:to>
+                                        <p:strVal val="hidden"/>
+                                      </p:to>
+                                    </p:set>
+                                  </p:childTnLst>
+                                </p:cTn>
+                              </p:par>
+                            </p:childTnLst>
+                          </p:cTn>
+                        </p:par>
+                      </p:childTnLst>
+                    </p:cTn>
+                  </p:par>
+                </p:childTnLst>
+              </p:cTn>
+              <p:prevCondLst>
+                <p:cond evt="onPrev" delay="0">
+                  <p:tgtEl>
+                    <p:sldTgt/>
+                  </p:tgtEl>
+                </p:cond>
+              </p:prevCondLst>
+              <p:nextCondLst>
+                <p:cond evt="onNext" delay="0">
+                  <p:tgtEl>
+                    <p:sldTgt/>
+                  </p:tgtEl>
+                </p:cond>
+              </p:nextCondLst>
+            </p:seq>
+          </p:childTnLst>
+        </p:cTn>
+      </p:par>
+    </p:tnLst>
+    <p:bldLst>
+      <p:bldP spid="2" grpId="0"/>
+    </p:bldLst>
+  </p:timing>
+</p:sld>
+</file>
+
 <file path=ppt/theme/theme1.xml><?xml version="1.0" encoding="utf-8"?>
 <a:theme xmlns:a="http://schemas.openxmlformats.org/drawingml/2006/main" name="Thatch">
   <a:themeElements>
